--- a/KOSTAmini1/dogi.pptx
+++ b/KOSTAmini1/dogi.pptx
@@ -11739,13 +11739,14 @@
           </p:cNvPr>
           <p:cNvCxnSpPr>
             <a:cxnSpLocks/>
+            <a:endCxn id="33" idx="0"/>
           </p:cNvCxnSpPr>
           <p:nvPr/>
         </p:nvCxnSpPr>
         <p:spPr>
-          <a:xfrm>
-            <a:off x="5128593" y="1918890"/>
-            <a:ext cx="0" cy="897069"/>
+          <a:xfrm flipH="1">
+            <a:off x="3581798" y="1918890"/>
+            <a:ext cx="1546796" cy="897069"/>
           </a:xfrm>
           <a:prstGeom prst="line">
             <a:avLst/>
@@ -11787,8 +11788,8 @@
         </p:nvCxnSpPr>
         <p:spPr>
           <a:xfrm>
-            <a:off x="5128593" y="3142217"/>
-            <a:ext cx="0" cy="503060"/>
+            <a:off x="3581798" y="3142217"/>
+            <a:ext cx="1546795" cy="503060"/>
           </a:xfrm>
           <a:prstGeom prst="line">
             <a:avLst/>
@@ -11965,8 +11966,8 @@
         </p:nvSpPr>
         <p:spPr>
           <a:xfrm>
-            <a:off x="4427365" y="2815959"/>
-            <a:ext cx="1367147" cy="326258"/>
+            <a:off x="2788447" y="2815959"/>
+            <a:ext cx="1586701" cy="326258"/>
           </a:xfrm>
           <a:prstGeom prst="rect">
             <a:avLst/>
@@ -14168,313 +14169,27 @@
                 <a:latin typeface="D2Coding" panose="020B0609020101020101" pitchFamily="49" charset="-127"/>
                 <a:ea typeface="D2Coding" panose="020B0609020101020101" pitchFamily="49" charset="-127"/>
               </a:rPr>
-              <a:t>두 게시판의 차이</a:t>
+              <a:t>담당 역할</a:t>
             </a:r>
           </a:p>
         </p:txBody>
       </p:sp>
       <p:sp>
         <p:nvSpPr>
-          <p:cNvPr id="7" name="사각형: 둥근 모서리 6">
-            <a:extLst>
-              <a:ext uri="{FF2B5EF4-FFF2-40B4-BE49-F238E27FC236}">
-                <a16:creationId xmlns:a16="http://schemas.microsoft.com/office/drawing/2014/main" id="{F4C463C6-9E1E-06E9-A086-D812FE1C540F}"/>
-              </a:ext>
-            </a:extLst>
-          </p:cNvPr>
-          <p:cNvSpPr/>
+          <p:cNvPr id="4" name="TextBox 3">
+            <a:extLst>
+              <a:ext uri="{FF2B5EF4-FFF2-40B4-BE49-F238E27FC236}">
+                <a16:creationId xmlns:a16="http://schemas.microsoft.com/office/drawing/2014/main" id="{6BE61706-26FB-48C7-BA5C-05C86A8D0538}"/>
+              </a:ext>
+            </a:extLst>
+          </p:cNvPr>
+          <p:cNvSpPr txBox="1"/>
           <p:nvPr/>
         </p:nvSpPr>
         <p:spPr>
           <a:xfrm>
-            <a:off x="1649895" y="2037521"/>
-            <a:ext cx="3349487" cy="4234066"/>
-          </a:xfrm>
-          <a:prstGeom prst="roundRect">
-            <a:avLst/>
-          </a:prstGeom>
-          <a:solidFill>
-            <a:schemeClr val="accent3">
-              <a:lumMod val="20000"/>
-              <a:lumOff val="80000"/>
-            </a:schemeClr>
-          </a:solidFill>
-        </p:spPr>
-        <p:style>
-          <a:lnRef idx="2">
-            <a:schemeClr val="accent1">
-              <a:shade val="15000"/>
-            </a:schemeClr>
-          </a:lnRef>
-          <a:fillRef idx="1">
-            <a:schemeClr val="accent1"/>
-          </a:fillRef>
-          <a:effectRef idx="0">
-            <a:schemeClr val="accent1"/>
-          </a:effectRef>
-          <a:fontRef idx="minor">
-            <a:schemeClr val="lt1"/>
-          </a:fontRef>
-        </p:style>
-        <p:txBody>
-          <a:bodyPr rtlCol="0" anchor="ctr"/>
-          <a:lstStyle/>
-          <a:p>
-            <a:r>
-              <a:rPr lang="en-US" altLang="ko-KR" dirty="0">
-                <a:solidFill>
-                  <a:schemeClr val="tx1"/>
-                </a:solidFill>
-              </a:rPr>
-              <a:t>- </a:t>
-            </a:r>
-            <a:r>
-              <a:rPr lang="ko-KR" altLang="en-US" dirty="0">
-                <a:solidFill>
-                  <a:schemeClr val="tx1"/>
-                </a:solidFill>
-              </a:rPr>
-              <a:t>회원 개인의 </a:t>
-            </a:r>
-            <a:r>
-              <a:rPr lang="ko-KR" altLang="en-US" dirty="0" err="1">
-                <a:solidFill>
-                  <a:schemeClr val="tx1"/>
-                </a:solidFill>
-              </a:rPr>
-              <a:t>피드</a:t>
-            </a:r>
-            <a:endParaRPr lang="en-US" altLang="ko-KR" dirty="0">
-              <a:solidFill>
-                <a:schemeClr val="tx1"/>
-              </a:solidFill>
-            </a:endParaRPr>
-          </a:p>
-          <a:p>
-            <a:endParaRPr lang="en-US" altLang="ko-KR" dirty="0">
-              <a:solidFill>
-                <a:schemeClr val="tx1"/>
-              </a:solidFill>
-            </a:endParaRPr>
-          </a:p>
-          <a:p>
-            <a:r>
-              <a:rPr lang="en-US" altLang="ko-KR" dirty="0">
-                <a:solidFill>
-                  <a:schemeClr val="tx1"/>
-                </a:solidFill>
-              </a:rPr>
-              <a:t>- </a:t>
-            </a:r>
-            <a:r>
-              <a:rPr lang="ko-KR" altLang="en-US" dirty="0">
-                <a:solidFill>
-                  <a:schemeClr val="tx1"/>
-                </a:solidFill>
-              </a:rPr>
-              <a:t>로그아웃 시에는 모든</a:t>
-            </a:r>
-            <a:endParaRPr lang="en-US" altLang="ko-KR" dirty="0">
-              <a:solidFill>
-                <a:schemeClr val="tx1"/>
-              </a:solidFill>
-            </a:endParaRPr>
-          </a:p>
-          <a:p>
-            <a:r>
-              <a:rPr lang="ko-KR" altLang="en-US" dirty="0">
-                <a:solidFill>
-                  <a:schemeClr val="tx1"/>
-                </a:solidFill>
-              </a:rPr>
-              <a:t>게시물을</a:t>
-            </a:r>
-            <a:r>
-              <a:rPr lang="en-US" altLang="ko-KR" dirty="0">
-                <a:solidFill>
-                  <a:schemeClr val="tx1"/>
-                </a:solidFill>
-              </a:rPr>
-              <a:t>, </a:t>
-            </a:r>
-            <a:r>
-              <a:rPr lang="ko-KR" altLang="en-US" dirty="0">
-                <a:solidFill>
-                  <a:schemeClr val="tx1"/>
-                </a:solidFill>
-              </a:rPr>
-              <a:t>로그인 시에는 같은</a:t>
-            </a:r>
-            <a:r>
-              <a:rPr lang="en-US" altLang="ko-KR" dirty="0">
-                <a:solidFill>
-                  <a:schemeClr val="tx1"/>
-                </a:solidFill>
-              </a:rPr>
-              <a:t> </a:t>
-            </a:r>
-            <a:r>
-              <a:rPr lang="ko-KR" altLang="en-US" dirty="0">
-                <a:solidFill>
-                  <a:schemeClr val="tx1"/>
-                </a:solidFill>
-              </a:rPr>
-              <a:t>관심사를 가진 회원의</a:t>
-            </a:r>
-            <a:endParaRPr lang="en-US" altLang="ko-KR" dirty="0">
-              <a:solidFill>
-                <a:schemeClr val="tx1"/>
-              </a:solidFill>
-            </a:endParaRPr>
-          </a:p>
-          <a:p>
-            <a:r>
-              <a:rPr lang="ko-KR" altLang="en-US" dirty="0">
-                <a:solidFill>
-                  <a:schemeClr val="tx1"/>
-                </a:solidFill>
-              </a:rPr>
-              <a:t>게시물을 조회</a:t>
-            </a:r>
-          </a:p>
-        </p:txBody>
-      </p:sp>
-      <p:sp>
-        <p:nvSpPr>
-          <p:cNvPr id="9" name="사각형: 둥근 모서리 8">
-            <a:extLst>
-              <a:ext uri="{FF2B5EF4-FFF2-40B4-BE49-F238E27FC236}">
-                <a16:creationId xmlns:a16="http://schemas.microsoft.com/office/drawing/2014/main" id="{161D7972-952C-0E8E-6E3D-F5F1475CE1A6}"/>
-              </a:ext>
-            </a:extLst>
-          </p:cNvPr>
-          <p:cNvSpPr/>
-          <p:nvPr/>
-        </p:nvSpPr>
-        <p:spPr>
-          <a:xfrm>
-            <a:off x="6949439" y="2037521"/>
-            <a:ext cx="3349487" cy="4234066"/>
-          </a:xfrm>
-          <a:prstGeom prst="roundRect">
-            <a:avLst/>
-          </a:prstGeom>
-          <a:solidFill>
-            <a:schemeClr val="accent3">
-              <a:lumMod val="20000"/>
-              <a:lumOff val="80000"/>
-            </a:schemeClr>
-          </a:solidFill>
-        </p:spPr>
-        <p:style>
-          <a:lnRef idx="2">
-            <a:schemeClr val="accent1">
-              <a:shade val="15000"/>
-            </a:schemeClr>
-          </a:lnRef>
-          <a:fillRef idx="1">
-            <a:schemeClr val="accent1"/>
-          </a:fillRef>
-          <a:effectRef idx="0">
-            <a:schemeClr val="accent1"/>
-          </a:effectRef>
-          <a:fontRef idx="minor">
-            <a:schemeClr val="lt1"/>
-          </a:fontRef>
-        </p:style>
-        <p:txBody>
-          <a:bodyPr rtlCol="0" anchor="ctr"/>
-          <a:lstStyle/>
-          <a:p>
-            <a:pPr algn="ctr"/>
-            <a:r>
-              <a:rPr lang="ko-KR" altLang="en-US" dirty="0">
-                <a:solidFill>
-                  <a:schemeClr val="tx1"/>
-                </a:solidFill>
-              </a:rPr>
-              <a:t>같은 관심사 밑 지역</a:t>
-            </a:r>
-            <a:endParaRPr lang="en-US" altLang="ko-KR" dirty="0">
-              <a:solidFill>
-                <a:schemeClr val="tx1"/>
-              </a:solidFill>
-            </a:endParaRPr>
-          </a:p>
-          <a:p>
-            <a:pPr algn="ctr"/>
-            <a:r>
-              <a:rPr lang="ko-KR" altLang="en-US" dirty="0">
-                <a:solidFill>
-                  <a:schemeClr val="tx1"/>
-                </a:solidFill>
-              </a:rPr>
-              <a:t>회원 </a:t>
-            </a:r>
-            <a:r>
-              <a:rPr lang="ko-KR" altLang="en-US" dirty="0" err="1">
-                <a:solidFill>
-                  <a:schemeClr val="tx1"/>
-                </a:solidFill>
-              </a:rPr>
-              <a:t>끼리의</a:t>
-            </a:r>
-            <a:r>
-              <a:rPr lang="ko-KR" altLang="en-US" dirty="0">
-                <a:solidFill>
-                  <a:schemeClr val="tx1"/>
-                </a:solidFill>
-              </a:rPr>
-              <a:t> 모임을</a:t>
-            </a:r>
-            <a:endParaRPr lang="en-US" altLang="ko-KR" dirty="0">
-              <a:solidFill>
-                <a:schemeClr val="tx1"/>
-              </a:solidFill>
-            </a:endParaRPr>
-          </a:p>
-          <a:p>
-            <a:pPr algn="ctr"/>
-            <a:r>
-              <a:rPr lang="ko-KR" altLang="en-US" dirty="0">
-                <a:solidFill>
-                  <a:schemeClr val="tx1"/>
-                </a:solidFill>
-              </a:rPr>
-              <a:t>모집할 수 있는 게시판</a:t>
-            </a:r>
-            <a:endParaRPr lang="en-US" altLang="ko-KR" dirty="0">
-              <a:solidFill>
-                <a:schemeClr val="tx1"/>
-              </a:solidFill>
-            </a:endParaRPr>
-          </a:p>
-          <a:p>
-            <a:pPr algn="ctr"/>
-            <a:endParaRPr lang="ko-KR" altLang="en-US" dirty="0">
-              <a:solidFill>
-                <a:schemeClr val="tx1"/>
-              </a:solidFill>
-            </a:endParaRPr>
-          </a:p>
-        </p:txBody>
-      </p:sp>
-      <p:sp>
-        <p:nvSpPr>
-          <p:cNvPr id="10" name="TextBox 9">
-            <a:extLst>
-              <a:ext uri="{FF2B5EF4-FFF2-40B4-BE49-F238E27FC236}">
-                <a16:creationId xmlns:a16="http://schemas.microsoft.com/office/drawing/2014/main" id="{B7A71D1C-D8BE-2CE2-D3FA-975919B753EE}"/>
-              </a:ext>
-            </a:extLst>
-          </p:cNvPr>
-          <p:cNvSpPr txBox="1"/>
-          <p:nvPr/>
-        </p:nvSpPr>
-        <p:spPr>
-          <a:xfrm>
-            <a:off x="1908313" y="1621656"/>
-            <a:ext cx="2445026" cy="369332"/>
+            <a:off x="1073150" y="2038350"/>
+            <a:ext cx="6121400" cy="4524315"/>
           </a:xfrm>
           <a:prstGeom prst="rect">
             <a:avLst/>
@@ -14488,46 +14203,150 @@
           <a:lstStyle/>
           <a:p>
             <a:r>
+              <a:rPr lang="ko-KR" altLang="en-US" dirty="0"/>
+              <a:t>이우진</a:t>
+            </a:r>
+            <a:endParaRPr lang="en-US" altLang="ko-KR" dirty="0"/>
+          </a:p>
+          <a:p>
+            <a:r>
               <a:rPr lang="en-US" altLang="ko-KR" dirty="0"/>
-              <a:t>Board</a:t>
-            </a:r>
-            <a:endParaRPr lang="ko-KR" altLang="en-US" dirty="0"/>
-          </a:p>
-        </p:txBody>
-      </p:sp>
-      <p:sp>
-        <p:nvSpPr>
-          <p:cNvPr id="11" name="TextBox 10">
-            <a:extLst>
-              <a:ext uri="{FF2B5EF4-FFF2-40B4-BE49-F238E27FC236}">
-                <a16:creationId xmlns:a16="http://schemas.microsoft.com/office/drawing/2014/main" id="{DE8BFF2D-1FC1-CBFC-1551-47DE502430B2}"/>
-              </a:ext>
-            </a:extLst>
-          </p:cNvPr>
-          <p:cNvSpPr txBox="1"/>
-          <p:nvPr/>
-        </p:nvSpPr>
-        <p:spPr>
-          <a:xfrm>
-            <a:off x="7257552" y="1621656"/>
-            <a:ext cx="2445026" cy="369332"/>
-          </a:xfrm>
-          <a:prstGeom prst="rect">
-            <a:avLst/>
-          </a:prstGeom>
-          <a:noFill/>
-        </p:spPr>
-        <p:txBody>
-          <a:bodyPr wrap="square" rtlCol="0">
-            <a:spAutoFit/>
-          </a:bodyPr>
-          <a:lstStyle/>
+              <a:t>	</a:t>
+            </a:r>
+            <a:r>
+              <a:rPr lang="ko-KR" altLang="en-US" dirty="0"/>
+              <a:t>회원 테이블</a:t>
+            </a:r>
+            <a:endParaRPr lang="en-US" altLang="ko-KR" dirty="0"/>
+          </a:p>
           <a:p>
             <a:r>
               <a:rPr lang="en-US" altLang="ko-KR" dirty="0"/>
-              <a:t>Meet</a:t>
-            </a:r>
-            <a:endParaRPr lang="ko-KR" altLang="en-US" dirty="0"/>
+              <a:t>	</a:t>
+            </a:r>
+            <a:r>
+              <a:rPr lang="ko-KR" altLang="en-US" dirty="0"/>
+              <a:t>지역 테이블</a:t>
+            </a:r>
+            <a:endParaRPr lang="en-US" altLang="ko-KR" dirty="0"/>
+          </a:p>
+          <a:p>
+            <a:r>
+              <a:rPr lang="en-US" altLang="ko-KR" dirty="0"/>
+              <a:t>	</a:t>
+            </a:r>
+            <a:r>
+              <a:rPr lang="ko-KR" altLang="en-US" dirty="0"/>
+              <a:t>관심사 테이블</a:t>
+            </a:r>
+            <a:endParaRPr lang="en-US" altLang="ko-KR" dirty="0"/>
+          </a:p>
+          <a:p>
+            <a:endParaRPr lang="en-US" altLang="ko-KR" dirty="0"/>
+          </a:p>
+          <a:p>
+            <a:r>
+              <a:rPr lang="ko-KR" altLang="en-US" dirty="0" err="1"/>
+              <a:t>유정국</a:t>
+            </a:r>
+            <a:endParaRPr lang="en-US" altLang="ko-KR" dirty="0"/>
+          </a:p>
+          <a:p>
+            <a:r>
+              <a:rPr lang="en-US" altLang="ko-KR" dirty="0"/>
+              <a:t>	class</a:t>
+            </a:r>
+            <a:r>
+              <a:rPr lang="ko-KR" altLang="en-US" dirty="0"/>
+              <a:t> 및 </a:t>
+            </a:r>
+            <a:r>
+              <a:rPr lang="en-US" altLang="ko-KR" dirty="0"/>
+              <a:t>DB </a:t>
+            </a:r>
+            <a:r>
+              <a:rPr lang="ko-KR" altLang="en-US" dirty="0"/>
+              <a:t>설계</a:t>
+            </a:r>
+            <a:endParaRPr lang="en-US" altLang="ko-KR" dirty="0"/>
+          </a:p>
+          <a:p>
+            <a:r>
+              <a:rPr lang="en-US" altLang="ko-KR" dirty="0"/>
+              <a:t>	</a:t>
+            </a:r>
+            <a:r>
+              <a:rPr lang="ko-KR" altLang="en-US" dirty="0" err="1"/>
+              <a:t>모집글</a:t>
+            </a:r>
+            <a:r>
+              <a:rPr lang="ko-KR" altLang="en-US" dirty="0"/>
+              <a:t> 테이블</a:t>
+            </a:r>
+            <a:endParaRPr lang="en-US" altLang="ko-KR" dirty="0"/>
+          </a:p>
+          <a:p>
+            <a:endParaRPr lang="en-US" altLang="ko-KR" dirty="0"/>
+          </a:p>
+          <a:p>
+            <a:r>
+              <a:rPr lang="ko-KR" altLang="en-US" dirty="0" err="1"/>
+              <a:t>정광배</a:t>
+            </a:r>
+            <a:endParaRPr lang="en-US" altLang="ko-KR" dirty="0"/>
+          </a:p>
+          <a:p>
+            <a:r>
+              <a:rPr lang="en-US" altLang="ko-KR" dirty="0"/>
+              <a:t>	</a:t>
+            </a:r>
+            <a:r>
+              <a:rPr lang="ko-KR" altLang="en-US" dirty="0"/>
+              <a:t>게시물 테이블</a:t>
+            </a:r>
+            <a:endParaRPr lang="en-US" altLang="ko-KR" dirty="0"/>
+          </a:p>
+          <a:p>
+            <a:r>
+              <a:rPr lang="en-US" altLang="ko-KR" dirty="0"/>
+              <a:t>	</a:t>
+            </a:r>
+            <a:r>
+              <a:rPr lang="ko-KR" altLang="en-US" dirty="0"/>
+              <a:t>게시물 좋아요 테이블</a:t>
+            </a:r>
+            <a:endParaRPr lang="en-US" altLang="ko-KR" dirty="0"/>
+          </a:p>
+          <a:p>
+            <a:endParaRPr lang="en-US" altLang="ko-KR" dirty="0"/>
+          </a:p>
+          <a:p>
+            <a:r>
+              <a:rPr lang="ko-KR" altLang="en-US" dirty="0" err="1"/>
+              <a:t>차성욱</a:t>
+            </a:r>
+            <a:endParaRPr lang="en-US" altLang="ko-KR" dirty="0"/>
+          </a:p>
+          <a:p>
+            <a:r>
+              <a:rPr lang="en-US" altLang="ko-KR" dirty="0"/>
+              <a:t>	</a:t>
+            </a:r>
+            <a:r>
+              <a:rPr lang="ko-KR" altLang="en-US" dirty="0"/>
+              <a:t>댓글 테이블</a:t>
+            </a:r>
+            <a:endParaRPr lang="en-US" altLang="ko-KR" dirty="0"/>
+          </a:p>
+          <a:p>
+            <a:r>
+              <a:rPr lang="en-US" altLang="ko-KR" dirty="0"/>
+              <a:t>	</a:t>
+            </a:r>
+            <a:r>
+              <a:rPr lang="ko-KR" altLang="en-US" dirty="0"/>
+              <a:t>댓글 좋아요 테이블</a:t>
+            </a:r>
           </a:p>
         </p:txBody>
       </p:sp>
